--- a/IntroSec_Build_a_Lab_With_Vagrant.pptx
+++ b/IntroSec_Build_a_Lab_With_Vagrant.pptx
@@ -291,7 +291,7 @@
           <a:p>
             <a:fld id="{7AC8887C-860D-4899-BD7B-BE8DC11DA54A}" type="datetimeFigureOut">
               <a:rPr lang="en-US" smtClean="0"/>
-              <a:t>4/23/2020</a:t>
+              <a:t>4/26/2020</a:t>
             </a:fld>
             <a:endParaRPr lang="en-US"/>
           </a:p>
@@ -489,7 +489,7 @@
           <a:p>
             <a:fld id="{7AC8887C-860D-4899-BD7B-BE8DC11DA54A}" type="datetimeFigureOut">
               <a:rPr lang="en-US" smtClean="0"/>
-              <a:t>4/23/2020</a:t>
+              <a:t>4/26/2020</a:t>
             </a:fld>
             <a:endParaRPr lang="en-US"/>
           </a:p>
@@ -697,7 +697,7 @@
           <a:p>
             <a:fld id="{7AC8887C-860D-4899-BD7B-BE8DC11DA54A}" type="datetimeFigureOut">
               <a:rPr lang="en-US" smtClean="0"/>
-              <a:t>4/23/2020</a:t>
+              <a:t>4/26/2020</a:t>
             </a:fld>
             <a:endParaRPr lang="en-US"/>
           </a:p>
@@ -903,7 +903,7 @@
           <a:p>
             <a:fld id="{7AC8887C-860D-4899-BD7B-BE8DC11DA54A}" type="datetimeFigureOut">
               <a:rPr lang="en-US" smtClean="0"/>
-              <a:t>4/23/2020</a:t>
+              <a:t>4/26/2020</a:t>
             </a:fld>
             <a:endParaRPr lang="en-US"/>
           </a:p>
@@ -1178,7 +1178,7 @@
           <a:p>
             <a:fld id="{7AC8887C-860D-4899-BD7B-BE8DC11DA54A}" type="datetimeFigureOut">
               <a:rPr lang="en-US" smtClean="0"/>
-              <a:t>4/23/2020</a:t>
+              <a:t>4/26/2020</a:t>
             </a:fld>
             <a:endParaRPr lang="en-US"/>
           </a:p>
@@ -1443,7 +1443,7 @@
           <a:p>
             <a:fld id="{7AC8887C-860D-4899-BD7B-BE8DC11DA54A}" type="datetimeFigureOut">
               <a:rPr lang="en-US" smtClean="0"/>
-              <a:t>4/23/2020</a:t>
+              <a:t>4/26/2020</a:t>
             </a:fld>
             <a:endParaRPr lang="en-US"/>
           </a:p>
@@ -1855,7 +1855,7 @@
           <a:p>
             <a:fld id="{7AC8887C-860D-4899-BD7B-BE8DC11DA54A}" type="datetimeFigureOut">
               <a:rPr lang="en-US" smtClean="0"/>
-              <a:t>4/23/2020</a:t>
+              <a:t>4/26/2020</a:t>
             </a:fld>
             <a:endParaRPr lang="en-US"/>
           </a:p>
@@ -1996,7 +1996,7 @@
           <a:p>
             <a:fld id="{7AC8887C-860D-4899-BD7B-BE8DC11DA54A}" type="datetimeFigureOut">
               <a:rPr lang="en-US" smtClean="0"/>
-              <a:t>4/23/2020</a:t>
+              <a:t>4/26/2020</a:t>
             </a:fld>
             <a:endParaRPr lang="en-US"/>
           </a:p>
@@ -2109,7 +2109,7 @@
           <a:p>
             <a:fld id="{7AC8887C-860D-4899-BD7B-BE8DC11DA54A}" type="datetimeFigureOut">
               <a:rPr lang="en-US" smtClean="0"/>
-              <a:t>4/23/2020</a:t>
+              <a:t>4/26/2020</a:t>
             </a:fld>
             <a:endParaRPr lang="en-US"/>
           </a:p>
@@ -2420,7 +2420,7 @@
           <a:p>
             <a:fld id="{7AC8887C-860D-4899-BD7B-BE8DC11DA54A}" type="datetimeFigureOut">
               <a:rPr lang="en-US" smtClean="0"/>
-              <a:t>4/23/2020</a:t>
+              <a:t>4/26/2020</a:t>
             </a:fld>
             <a:endParaRPr lang="en-US"/>
           </a:p>
@@ -2708,7 +2708,7 @@
           <a:p>
             <a:fld id="{7AC8887C-860D-4899-BD7B-BE8DC11DA54A}" type="datetimeFigureOut">
               <a:rPr lang="en-US" smtClean="0"/>
-              <a:t>4/23/2020</a:t>
+              <a:t>4/26/2020</a:t>
             </a:fld>
             <a:endParaRPr lang="en-US"/>
           </a:p>
@@ -2956,7 +2956,7 @@
           <a:p>
             <a:fld id="{7AC8887C-860D-4899-BD7B-BE8DC11DA54A}" type="datetimeFigureOut">
               <a:rPr lang="en-US" smtClean="0"/>
-              <a:t>4/23/2020</a:t>
+              <a:t>4/26/2020</a:t>
             </a:fld>
             <a:endParaRPr lang="en-US"/>
           </a:p>
@@ -3538,11 +3538,7 @@
           <a:p>
             <a:r>
               <a:rPr lang="en-US" dirty="0" smtClean="0"/>
-              <a:t>Kn</a:t>
-            </a:r>
-            <a:r>
-              <a:rPr lang="en-US" dirty="0" smtClean="0"/>
-              <a:t>ow how to use virtual machines to perform a hack</a:t>
+              <a:t>Know how to use virtual machines to perform a hack</a:t>
             </a:r>
             <a:endParaRPr lang="en-GB" dirty="0"/>
           </a:p>
@@ -3722,20 +3718,26 @@
           <a:p>
             <a:r>
               <a:rPr lang="en-US" dirty="0" smtClean="0"/>
-              <a:t>Being ethical </a:t>
-            </a:r>
+              <a:t>Observance of ethics</a:t>
+            </a:r>
+            <a:endParaRPr lang="en-US" dirty="0" smtClean="0"/>
           </a:p>
           <a:p>
             <a:r>
               <a:rPr lang="en-US" dirty="0" smtClean="0"/>
-              <a:t>Experimentation  and research</a:t>
-            </a:r>
-          </a:p>
-          <a:p>
+              <a:t>Experimentation </a:t>
+            </a:r>
             <a:r>
               <a:rPr lang="en-US" dirty="0" smtClean="0"/>
-              <a:t>Studying</a:t>
-            </a:r>
+              <a:t>and research</a:t>
+            </a:r>
+          </a:p>
+          <a:p>
+            <a:r>
+              <a:rPr lang="en-US" dirty="0" smtClean="0"/>
+              <a:t>Studying for a certification</a:t>
+            </a:r>
+            <a:endParaRPr lang="en-US" dirty="0" smtClean="0"/>
           </a:p>
           <a:p>
             <a:r>
@@ -3976,11 +3978,7 @@
           <a:p>
             <a:r>
               <a:rPr lang="en-US" dirty="0" smtClean="0"/>
-              <a:t>Portability – You can always download a Vagrant file and set </a:t>
-            </a:r>
-            <a:r>
-              <a:rPr lang="en-US" dirty="0" smtClean="0"/>
-              <a:t>up a machine in a few minutes. Easy to share with your friends.</a:t>
+              <a:t>Portability – You can always download a Vagrant file and set up a machine in a few minutes. Easy to share with your friends.</a:t>
             </a:r>
             <a:endParaRPr lang="en-GB" dirty="0"/>
           </a:p>
@@ -4378,7 +4376,7 @@
         <p:spPr>
           <a:xfrm>
             <a:off x="164757" y="5741773"/>
-            <a:ext cx="5527589" cy="923330"/>
+            <a:ext cx="5527589" cy="1200329"/>
           </a:xfrm>
           <a:prstGeom prst="rect">
             <a:avLst/>
@@ -4395,7 +4393,30 @@
               <a:rPr lang="en-US" dirty="0" smtClean="0">
                 <a:hlinkClick r:id="rId2"/>
               </a:rPr>
-              <a:t>https://www.hmwawuda.com</a:t>
+              <a:t>@</a:t>
+            </a:r>
+            <a:r>
+              <a:rPr lang="en-US" dirty="0" err="1" smtClean="0">
+                <a:hlinkClick r:id="rId2"/>
+              </a:rPr>
+              <a:t>h_mwawuda</a:t>
+            </a:r>
+            <a:endParaRPr lang="en-US" dirty="0" smtClean="0">
+              <a:hlinkClick r:id="rId2"/>
+            </a:endParaRPr>
+          </a:p>
+          <a:p>
+            <a:r>
+              <a:rPr lang="en-US" dirty="0" smtClean="0">
+                <a:hlinkClick r:id="rId2"/>
+              </a:rPr>
+              <a:t>https</a:t>
+            </a:r>
+            <a:r>
+              <a:rPr lang="en-US" dirty="0" smtClean="0">
+                <a:hlinkClick r:id="rId2"/>
+              </a:rPr>
+              <a:t>://www.hmwawuda.com</a:t>
             </a:r>
             <a:endParaRPr lang="en-US" dirty="0" smtClean="0"/>
           </a:p>
